--- a/Presentation/Erathquake-risk-mapping.pptx
+++ b/Presentation/Erathquake-risk-mapping.pptx
@@ -115,6 +115,11 @@
       </a:defRPr>
     </a:lvl9pPr>
   </p:defaultTextStyle>
+  <p:extLst>
+    <p:ext uri="{EFAFB233-063F-42B5-8137-9DF3F51BA10A}">
+      <p15:sldGuideLst xmlns:p15="http://schemas.microsoft.com/office/powerpoint/2012/main"/>
+    </p:ext>
+  </p:extLst>
 </p:presentation>
 </file>
 
@@ -4356,13 +4361,8 @@
             </a:r>
             <a:r>
               <a:rPr lang="en-AU" dirty="0"/>
-              <a:t>/Regional Risk Assessment/Data-Driven Hazard </a:t>
-            </a:r>
-            <a:r>
-              <a:rPr lang="en-AU" dirty="0" err="1"/>
-              <a:t>Modeling</a:t>
-            </a:r>
-            <a:endParaRPr lang="en-AU" dirty="0"/>
+              <a:t>/Regional Risk Assessment/Data-Driven Hazard Modelling</a:t>
+            </a:r>
           </a:p>
           <a:p>
             <a:r>
@@ -5065,7 +5065,7 @@
           <a:p>
             <a:r>
               <a:rPr lang="en-AU" dirty="0"/>
-              <a:t>Built binary classifier: high-risk zones (e.g., magnitude threshold)</a:t>
+              <a:t>Built binary classifier: high-risk zones (magnitude threshold)</a:t>
             </a:r>
           </a:p>
           <a:p>
@@ -5075,12 +5075,14 @@
             </a:r>
           </a:p>
           <a:p>
+            <a:pPr lvl="1"/>
             <a:r>
               <a:rPr lang="en-AU" dirty="0"/>
               <a:t>Train-test split</a:t>
             </a:r>
           </a:p>
           <a:p>
+            <a:pPr lvl="1"/>
             <a:r>
               <a:rPr lang="en-AU" dirty="0" err="1"/>
               <a:t>StandardScaler</a:t>
@@ -5093,13 +5095,21 @@
           <a:p>
             <a:r>
               <a:rPr lang="en-AU" dirty="0"/>
-              <a:t>Model: Logistic Regression or Random Forest</a:t>
-            </a:r>
-          </a:p>
-          <a:p>
+              <a:t>Model: Random </a:t>
+            </a:r>
+            <a:r>
+              <a:rPr lang="en-AU"/>
+              <a:t>Forest Classifier (</a:t>
+            </a:r>
             <a:r>
               <a:rPr lang="en-AU" dirty="0"/>
-              <a:t>Evaluation: Precision, Recall, F1—balanced and robust despite class imbalance</a:t>
+              <a:t>or Logistic Regression)</a:t>
+            </a:r>
+          </a:p>
+          <a:p>
+            <a:r>
+              <a:rPr lang="en-AU" dirty="0"/>
+              <a:t>Evaluation: Precision, Recall, F1-balanced and robust despite class imbalance, Confusion matrix</a:t>
             </a:r>
           </a:p>
           <a:p>

--- a/Presentation/Erathquake-risk-mapping.pptx
+++ b/Presentation/Erathquake-risk-mapping.pptx
@@ -276,7 +276,7 @@
           <a:p>
             <a:fld id="{D1D1EADE-8E88-4C7C-8AC5-FB148DE4940E}" type="datetime1">
               <a:rPr lang="en-US" smtClean="0"/>
-              <a:t>7/30/25</a:t>
+              <a:t>7/31/25</a:t>
             </a:fld>
             <a:endParaRPr lang="en-US"/>
           </a:p>
@@ -476,7 +476,7 @@
           <a:p>
             <a:fld id="{EC3C8B9C-477D-492A-96AD-1FC2CC997A73}" type="datetime1">
               <a:rPr lang="en-US" smtClean="0"/>
-              <a:t>7/30/25</a:t>
+              <a:t>7/31/25</a:t>
             </a:fld>
             <a:endParaRPr lang="en-US"/>
           </a:p>
@@ -686,7 +686,7 @@
           <a:p>
             <a:fld id="{42D3AED5-E26D-4E29-B1B3-7847B6779594}" type="datetime1">
               <a:rPr lang="en-US" smtClean="0"/>
-              <a:t>7/30/25</a:t>
+              <a:t>7/31/25</a:t>
             </a:fld>
             <a:endParaRPr lang="en-US"/>
           </a:p>
@@ -886,7 +886,7 @@
           <a:p>
             <a:fld id="{157B6794-849E-4626-908B-D15793550EFB}" type="datetime1">
               <a:rPr lang="en-US" smtClean="0"/>
-              <a:t>7/30/25</a:t>
+              <a:t>7/31/25</a:t>
             </a:fld>
             <a:endParaRPr lang="en-US"/>
           </a:p>
@@ -1162,7 +1162,7 @@
           <a:p>
             <a:fld id="{63DB64E7-5594-42A3-ADBF-E95A7ACEAD64}" type="datetime1">
               <a:rPr lang="en-US" smtClean="0"/>
-              <a:t>7/30/25</a:t>
+              <a:t>7/31/25</a:t>
             </a:fld>
             <a:endParaRPr lang="en-US"/>
           </a:p>
@@ -1435,7 +1435,7 @@
           <a:p>
             <a:fld id="{18462B0B-D248-4FFB-8695-AD7FA4B1284A}" type="datetime1">
               <a:rPr lang="en-US" smtClean="0"/>
-              <a:t>7/30/25</a:t>
+              <a:t>7/31/25</a:t>
             </a:fld>
             <a:endParaRPr lang="en-US"/>
           </a:p>
@@ -1858,7 +1858,7 @@
           <a:p>
             <a:fld id="{D0378EFB-9159-4510-B73F-4F0409ADE937}" type="datetime1">
               <a:rPr lang="en-US" smtClean="0"/>
-              <a:t>7/30/25</a:t>
+              <a:t>7/31/25</a:t>
             </a:fld>
             <a:endParaRPr lang="en-US"/>
           </a:p>
@@ -2000,7 +2000,7 @@
           <a:p>
             <a:fld id="{89BC9412-2452-4BED-A324-9D8C115361AD}" type="datetime1">
               <a:rPr lang="en-US" smtClean="0"/>
-              <a:t>7/30/25</a:t>
+              <a:t>7/31/25</a:t>
             </a:fld>
             <a:endParaRPr lang="en-US"/>
           </a:p>
@@ -2113,7 +2113,7 @@
           <a:p>
             <a:fld id="{F5318F62-D251-40E8-A23C-F4CFE9FEAB41}" type="datetime1">
               <a:rPr lang="en-US" smtClean="0"/>
-              <a:t>7/30/25</a:t>
+              <a:t>7/31/25</a:t>
             </a:fld>
             <a:endParaRPr lang="en-US"/>
           </a:p>
@@ -2426,7 +2426,7 @@
           <a:p>
             <a:fld id="{44F76144-149E-4874-93A5-554A0357CF82}" type="datetime1">
               <a:rPr lang="en-US" smtClean="0"/>
-              <a:t>7/30/25</a:t>
+              <a:t>7/31/25</a:t>
             </a:fld>
             <a:endParaRPr lang="en-US"/>
           </a:p>
@@ -2719,7 +2719,7 @@
           <a:p>
             <a:fld id="{50BA65D8-0540-4835-AE5C-25D29DBA01BE}" type="datetime1">
               <a:rPr lang="en-US" smtClean="0"/>
-              <a:t>7/30/25</a:t>
+              <a:t>7/31/25</a:t>
             </a:fld>
             <a:endParaRPr lang="en-US"/>
           </a:p>
@@ -2961,7 +2961,7 @@
           <a:p>
             <a:fld id="{E31BA835-12AC-4E8F-955A-EA3F4DE2791F}" type="datetime1">
               <a:rPr lang="en-US" smtClean="0"/>
-              <a:t>7/30/25</a:t>
+              <a:t>7/31/25</a:t>
             </a:fld>
             <a:endParaRPr lang="en-US"/>
           </a:p>
@@ -4353,15 +4353,7 @@
             <a:pPr lvl="1"/>
             <a:r>
               <a:rPr lang="en-AU" dirty="0"/>
-              <a:t>Understanding Earthquake </a:t>
-            </a:r>
-            <a:r>
-              <a:rPr lang="en-AU" dirty="0" err="1"/>
-              <a:t>Behavior</a:t>
-            </a:r>
-            <a:r>
-              <a:rPr lang="en-AU" dirty="0"/>
-              <a:t>/Regional Risk Assessment/Data-Driven Hazard Modelling</a:t>
+              <a:t>Understanding Earthquake Behaviour/Regional Risk Assessment/Data-Driven Hazard Modelling</a:t>
             </a:r>
           </a:p>
           <a:p>
@@ -4430,7 +4422,7 @@
           <a:p>
             <a:r>
               <a:rPr lang="en-AU" dirty="0"/>
-              <a:t>Slide 3: Project Overview</a:t>
+              <a:t>Project Overview</a:t>
             </a:r>
             <a:br>
               <a:rPr lang="en-AU" b="1" dirty="0"/>
@@ -5032,11 +5024,7 @@
           <a:p>
             <a:r>
               <a:rPr lang="en-AU" dirty="0"/>
-              <a:t>Feature Engineering &amp; </a:t>
-            </a:r>
-            <a:r>
-              <a:rPr lang="en-AU" dirty="0" err="1"/>
-              <a:t>Modeling</a:t>
+              <a:t>Feature Engineering &amp; Modelling</a:t>
             </a:r>
             <a:endParaRPr lang="en-US" dirty="0"/>
           </a:p>
